--- a/Cordova_Intro_2015.pptx
+++ b/Cordova_Intro_2015.pptx
@@ -211,7 +211,7 @@
           <a:p>
             <a:fld id="{5636E1AB-BA9A-4BF6-92C5-A4212B3733C6}" type="datetimeFigureOut">
               <a:rPr lang="en-US" smtClean="0"/>
-              <a:t>11/22/2015</a:t>
+              <a:t>11/23/2015</a:t>
             </a:fld>
             <a:endParaRPr lang="en-US"/>
           </a:p>
@@ -1254,7 +1254,7 @@
           <a:p>
             <a:fld id="{4AAD347D-5ACD-4C99-B74B-A9C85AD731AF}" type="datetimeFigureOut">
               <a:rPr lang="en-US" dirty="0"/>
-              <a:t>11/22/2015</a:t>
+              <a:t>11/23/2015</a:t>
             </a:fld>
             <a:endParaRPr lang="en-US" dirty="0"/>
           </a:p>
@@ -1524,7 +1524,7 @@
           <a:p>
             <a:fld id="{4509A250-FF31-4206-8172-F9D3106AACB1}" type="datetimeFigureOut">
               <a:rPr lang="en-US" dirty="0"/>
-              <a:t>11/22/2015</a:t>
+              <a:t>11/23/2015</a:t>
             </a:fld>
             <a:endParaRPr lang="en-US" dirty="0"/>
           </a:p>
@@ -1713,7 +1713,7 @@
           <a:p>
             <a:fld id="{4509A250-FF31-4206-8172-F9D3106AACB1}" type="datetimeFigureOut">
               <a:rPr lang="en-US" dirty="0"/>
-              <a:t>11/22/2015</a:t>
+              <a:t>11/23/2015</a:t>
             </a:fld>
             <a:endParaRPr lang="en-US" dirty="0"/>
           </a:p>
@@ -1981,7 +1981,7 @@
           <a:p>
             <a:fld id="{4509A250-FF31-4206-8172-F9D3106AACB1}" type="datetimeFigureOut">
               <a:rPr lang="en-US" dirty="0"/>
-              <a:t>11/22/2015</a:t>
+              <a:t>11/23/2015</a:t>
             </a:fld>
             <a:endParaRPr lang="en-US" dirty="0"/>
           </a:p>
@@ -2317,7 +2317,7 @@
           <a:p>
             <a:fld id="{4509A250-FF31-4206-8172-F9D3106AACB1}" type="datetimeFigureOut">
               <a:rPr lang="en-US" dirty="0"/>
-              <a:t>11/22/2015</a:t>
+              <a:t>11/23/2015</a:t>
             </a:fld>
             <a:endParaRPr lang="en-US" dirty="0"/>
           </a:p>
@@ -2935,7 +2935,7 @@
           <a:p>
             <a:fld id="{4509A250-FF31-4206-8172-F9D3106AACB1}" type="datetimeFigureOut">
               <a:rPr lang="en-US" dirty="0"/>
-              <a:t>11/22/2015</a:t>
+              <a:t>11/23/2015</a:t>
             </a:fld>
             <a:endParaRPr lang="en-US" dirty="0"/>
           </a:p>
@@ -3790,7 +3790,7 @@
           <a:p>
             <a:fld id="{4509A250-FF31-4206-8172-F9D3106AACB1}" type="datetimeFigureOut">
               <a:rPr lang="en-US" dirty="0"/>
-              <a:t>11/22/2015</a:t>
+              <a:t>11/23/2015</a:t>
             </a:fld>
             <a:endParaRPr lang="en-US" dirty="0"/>
           </a:p>
@@ -3955,7 +3955,7 @@
           <a:p>
             <a:fld id="{4509A250-FF31-4206-8172-F9D3106AACB1}" type="datetimeFigureOut">
               <a:rPr lang="en-US" dirty="0"/>
-              <a:t>11/22/2015</a:t>
+              <a:t>11/23/2015</a:t>
             </a:fld>
             <a:endParaRPr lang="en-US" dirty="0"/>
           </a:p>
@@ -4130,7 +4130,7 @@
           <a:p>
             <a:fld id="{4509A250-FF31-4206-8172-F9D3106AACB1}" type="datetimeFigureOut">
               <a:rPr lang="en-US" dirty="0"/>
-              <a:t>11/22/2015</a:t>
+              <a:t>11/23/2015</a:t>
             </a:fld>
             <a:endParaRPr lang="en-US" dirty="0"/>
           </a:p>
@@ -4295,7 +4295,7 @@
           <a:p>
             <a:fld id="{4509A250-FF31-4206-8172-F9D3106AACB1}" type="datetimeFigureOut">
               <a:rPr lang="en-US" dirty="0"/>
-              <a:t>11/22/2015</a:t>
+              <a:t>11/23/2015</a:t>
             </a:fld>
             <a:endParaRPr lang="en-US" dirty="0"/>
           </a:p>
@@ -4537,7 +4537,7 @@
           <a:p>
             <a:fld id="{9796027F-7875-4030-9381-8BD8C4F21935}" type="datetimeFigureOut">
               <a:rPr lang="en-US" dirty="0"/>
-              <a:t>11/22/2015</a:t>
+              <a:t>11/23/2015</a:t>
             </a:fld>
             <a:endParaRPr lang="en-US" dirty="0"/>
           </a:p>
@@ -4824,7 +4824,7 @@
           <a:p>
             <a:fld id="{9796027F-7875-4030-9381-8BD8C4F21935}" type="datetimeFigureOut">
               <a:rPr lang="en-US" dirty="0"/>
-              <a:t>11/22/2015</a:t>
+              <a:t>11/23/2015</a:t>
             </a:fld>
             <a:endParaRPr lang="en-US" dirty="0"/>
           </a:p>
@@ -5263,7 +5263,7 @@
           <a:p>
             <a:fld id="{9796027F-7875-4030-9381-8BD8C4F21935}" type="datetimeFigureOut">
               <a:rPr lang="en-US" dirty="0"/>
-              <a:t>11/22/2015</a:t>
+              <a:t>11/23/2015</a:t>
             </a:fld>
             <a:endParaRPr lang="en-US" dirty="0"/>
           </a:p>
@@ -5376,7 +5376,7 @@
           <a:p>
             <a:fld id="{4509A250-FF31-4206-8172-F9D3106AACB1}" type="datetimeFigureOut">
               <a:rPr lang="en-US" dirty="0"/>
-              <a:t>11/22/2015</a:t>
+              <a:t>11/23/2015</a:t>
             </a:fld>
             <a:endParaRPr lang="en-US" dirty="0"/>
           </a:p>
@@ -5466,7 +5466,7 @@
           <a:p>
             <a:fld id="{4509A250-FF31-4206-8172-F9D3106AACB1}" type="datetimeFigureOut">
               <a:rPr lang="en-US" dirty="0"/>
-              <a:t>11/22/2015</a:t>
+              <a:t>11/23/2015</a:t>
             </a:fld>
             <a:endParaRPr lang="en-US" dirty="0"/>
           </a:p>
@@ -5740,7 +5740,7 @@
           <a:p>
             <a:fld id="{4509A250-FF31-4206-8172-F9D3106AACB1}" type="datetimeFigureOut">
               <a:rPr lang="en-US" dirty="0"/>
-              <a:t>11/22/2015</a:t>
+              <a:t>11/23/2015</a:t>
             </a:fld>
             <a:endParaRPr lang="en-US" dirty="0"/>
           </a:p>
@@ -6010,7 +6010,7 @@
           <a:p>
             <a:fld id="{4509A250-FF31-4206-8172-F9D3106AACB1}" type="datetimeFigureOut">
               <a:rPr lang="en-US" dirty="0"/>
-              <a:t>11/22/2015</a:t>
+              <a:t>11/23/2015</a:t>
             </a:fld>
             <a:endParaRPr lang="en-US" dirty="0"/>
           </a:p>
@@ -6434,7 +6434,7 @@
           <a:p>
             <a:fld id="{4AAD347D-5ACD-4C99-B74B-A9C85AD731AF}" type="datetimeFigureOut">
               <a:rPr lang="en-US" dirty="0"/>
-              <a:t>11/22/2015</a:t>
+              <a:t>11/23/2015</a:t>
             </a:fld>
             <a:endParaRPr lang="en-US" dirty="0"/>
           </a:p>
@@ -8048,6 +8048,10 @@
           <a:bodyPr/>
           <a:lstStyle/>
           <a:p>
+            <a:r>
+              <a:rPr lang="en-US" smtClean="0"/>
+              <a:t>test</a:t>
+            </a:r>
             <a:endParaRPr lang="en-US" dirty="0"/>
           </a:p>
         </p:txBody>
@@ -8308,11 +8312,7 @@
           <a:p>
             <a:r>
               <a:rPr lang="en-US" dirty="0" smtClean="0"/>
-              <a:t>What do I need to use</a:t>
-            </a:r>
-            <a:r>
-              <a:rPr lang="en-US" dirty="0" smtClean="0"/>
-              <a:t>? </a:t>
+              <a:t>What do I need to use? </a:t>
             </a:r>
             <a:endParaRPr lang="en-US" dirty="0"/>
           </a:p>
@@ -8346,11 +8346,7 @@
           <a:p>
             <a:r>
               <a:rPr lang="en-US" dirty="0" smtClean="0"/>
-              <a:t>Node </a:t>
-            </a:r>
-            <a:r>
-              <a:rPr lang="en-US" dirty="0" smtClean="0"/>
-              <a:t>JS / NPM</a:t>
+              <a:t>Node JS / NPM</a:t>
             </a:r>
           </a:p>
           <a:p>
@@ -8369,11 +8365,7 @@
             <a:pPr lvl="1"/>
             <a:r>
               <a:rPr lang="en-US" dirty="0" smtClean="0"/>
-              <a:t>Webstorm, Visual Studio, Atom, Notepad </a:t>
-            </a:r>
-            <a:r>
-              <a:rPr lang="en-US" dirty="0" smtClean="0"/>
-              <a:t>++</a:t>
+              <a:t>Webstorm, Visual Studio, Atom, Notepad ++</a:t>
             </a:r>
           </a:p>
           <a:p>
@@ -8419,7 +8411,6 @@
               <a:rPr lang="en-US" dirty="0" smtClean="0"/>
               <a:t> + developer images</a:t>
             </a:r>
-            <a:endParaRPr lang="en-US" dirty="0" smtClean="0"/>
           </a:p>
         </p:txBody>
       </p:sp>
